--- a/Presentation/Presentation186.pptx
+++ b/Presentation/Presentation186.pptx
@@ -5,23 +5,30 @@
     <p:sldMasterId id="2147483660" r:id="rId1"/>
   </p:sldMasterIdLst>
   <p:notesMasterIdLst>
-    <p:notesMasterId r:id="rId8"/>
+    <p:notesMasterId r:id="rId15"/>
   </p:notesMasterIdLst>
   <p:handoutMasterIdLst>
-    <p:handoutMasterId r:id="rId9"/>
+    <p:handoutMasterId r:id="rId16"/>
   </p:handoutMasterIdLst>
   <p:sldIdLst>
     <p:sldId id="259" r:id="rId2"/>
     <p:sldId id="264" r:id="rId3"/>
     <p:sldId id="263" r:id="rId4"/>
     <p:sldId id="266" r:id="rId5"/>
-    <p:sldId id="267" r:id="rId6"/>
-    <p:sldId id="268" r:id="rId7"/>
+    <p:sldId id="270" r:id="rId6"/>
+    <p:sldId id="274" r:id="rId7"/>
+    <p:sldId id="273" r:id="rId8"/>
+    <p:sldId id="272" r:id="rId9"/>
+    <p:sldId id="271" r:id="rId10"/>
+    <p:sldId id="275" r:id="rId11"/>
+    <p:sldId id="276" r:id="rId12"/>
+    <p:sldId id="278" r:id="rId13"/>
+    <p:sldId id="277" r:id="rId14"/>
   </p:sldIdLst>
   <p:sldSz cx="9144000" cy="6858000" type="screen4x3"/>
   <p:notesSz cx="7099300" cy="10234613"/>
   <p:custDataLst>
-    <p:tags r:id="rId10"/>
+    <p:tags r:id="rId17"/>
   </p:custDataLst>
   <p:kinsoku lang="ja-JP" invalStChars="、。，．・：；？！゛゜ヽヾゝゞ々ー’”）〕］｝〉》」』】°‰′″℃￠％ぁぃぅぇぉっゃゅょゎァィゥェォッャュョヮヵヶ!%),.:;?]}｡｣､･ｧｨｩｪｫｬｭｮｯｰﾞﾟ" invalEndChars="‘“（〔［｛〈《「『【￥＄$([\{｢￡"/>
   <p:defaultTextStyle>
@@ -149,6 +156,36 @@
       </a:defRPr>
     </a:lvl9pPr>
   </p:defaultTextStyle>
+  <p:extLst>
+    <p:ext uri="{EFAFB233-063F-42B5-8137-9DF3F51BA10A}">
+      <p15:sldGuideLst xmlns:p15="http://schemas.microsoft.com/office/powerpoint/2012/main">
+        <p15:guide id="1" orient="horz" pos="4247">
+          <p15:clr>
+            <a:srgbClr val="A4A3A4"/>
+          </p15:clr>
+        </p15:guide>
+        <p15:guide id="2">
+          <p15:clr>
+            <a:srgbClr val="A4A3A4"/>
+          </p15:clr>
+        </p15:guide>
+      </p15:sldGuideLst>
+    </p:ext>
+    <p:ext uri="{2D200454-40CA-4A62-9FC3-DE9A4176ACB9}">
+      <p15:notesGuideLst xmlns:p15="http://schemas.microsoft.com/office/powerpoint/2012/main">
+        <p15:guide id="1" orient="horz" pos="3223">
+          <p15:clr>
+            <a:srgbClr val="A4A3A4"/>
+          </p15:clr>
+        </p15:guide>
+        <p15:guide id="2" pos="2235">
+          <p15:clr>
+            <a:srgbClr val="A4A3A4"/>
+          </p15:clr>
+        </p15:guide>
+      </p15:notesGuideLst>
+    </p:ext>
+  </p:extLst>
 </p:presentation>
 </file>
 
@@ -12107,10 +12144,10 @@
               <a:defRPr/>
             </a:pPr>
             <a:r>
-              <a:rPr lang="de-AT" smtClean="0"/>
-              <a:t>&lt;insert your name here&gt;</a:t>
+              <a:rPr lang="de-AT" dirty="0" smtClean="0"/>
+              <a:t>Nicolas Grossmann, Thomas Köppel</a:t>
             </a:r>
-            <a:endParaRPr lang="de-AT"/>
+            <a:endParaRPr lang="de-AT" dirty="0"/>
           </a:p>
         </p:txBody>
       </p:sp>
@@ -12243,10 +12280,10 @@
               <a:defRPr/>
             </a:pPr>
             <a:r>
-              <a:rPr lang="de-AT" smtClean="0"/>
-              <a:t>&lt;insert your name here&gt;</a:t>
+              <a:rPr lang="de-AT" dirty="0" smtClean="0"/>
+              <a:t>Nicolas Grossmann, Thomas Köppel</a:t>
             </a:r>
-            <a:endParaRPr lang="de-AT"/>
+            <a:endParaRPr lang="de-AT" dirty="0"/>
           </a:p>
         </p:txBody>
       </p:sp>
@@ -12475,8 +12512,8 @@
               <a:defRPr/>
             </a:pPr>
             <a:r>
-              <a:rPr lang="de-AT" smtClean="0"/>
-              <a:t>&lt;insert your name here&gt;</a:t>
+              <a:rPr lang="de-AT" dirty="0" smtClean="0"/>
+              <a:t>Nicolas Grossmann, Thomas Köppel</a:t>
             </a:r>
             <a:endParaRPr lang="de-AT" dirty="0"/>
           </a:p>
@@ -12696,8 +12733,8 @@
               <a:defRPr/>
             </a:pPr>
             <a:r>
-              <a:rPr lang="de-AT" smtClean="0"/>
-              <a:t>&lt;insert your name here&gt;</a:t>
+              <a:rPr lang="de-AT" dirty="0" smtClean="0"/>
+              <a:t>Nicolas Grossmann, Thomas Köppel</a:t>
             </a:r>
             <a:endParaRPr lang="de-AT" dirty="0"/>
           </a:p>
@@ -12859,8 +12896,8 @@
               <a:defRPr/>
             </a:pPr>
             <a:r>
-              <a:rPr lang="de-AT" smtClean="0"/>
-              <a:t>&lt;insert your name here&gt;</a:t>
+              <a:rPr lang="de-AT" dirty="0" smtClean="0"/>
+              <a:t>Nicolas Grossmann, Thomas Köppel</a:t>
             </a:r>
             <a:endParaRPr lang="de-AT" dirty="0"/>
           </a:p>
@@ -13046,10 +13083,10 @@
               <a:defRPr/>
             </a:pPr>
             <a:r>
-              <a:rPr lang="de-AT" smtClean="0"/>
-              <a:t>&lt;insert your name here&gt;</a:t>
+              <a:rPr lang="de-AT" dirty="0" smtClean="0"/>
+              <a:t>Nicolas Grossmann, Thomas Köppel</a:t>
             </a:r>
-            <a:endParaRPr lang="de-AT"/>
+            <a:endParaRPr lang="de-AT" dirty="0"/>
           </a:p>
         </p:txBody>
       </p:sp>
@@ -13329,10 +13366,10 @@
               <a:defRPr/>
             </a:pPr>
             <a:r>
-              <a:rPr lang="de-AT" smtClean="0"/>
-              <a:t>&lt;insert your name here&gt;</a:t>
+              <a:rPr lang="de-AT" dirty="0" smtClean="0"/>
+              <a:t>Nicolas Grossmann, Thomas Köppel</a:t>
             </a:r>
-            <a:endParaRPr lang="de-AT"/>
+            <a:endParaRPr lang="de-AT" dirty="0"/>
           </a:p>
         </p:txBody>
       </p:sp>
@@ -13442,10 +13479,10 @@
               <a:defRPr/>
             </a:pPr>
             <a:r>
-              <a:rPr lang="de-AT" smtClean="0"/>
-              <a:t>&lt;insert your name here&gt;</a:t>
+              <a:rPr lang="de-AT" dirty="0" smtClean="0"/>
+              <a:t>Nicolas Grossmann, Thomas Köppel</a:t>
             </a:r>
-            <a:endParaRPr lang="de-AT"/>
+            <a:endParaRPr lang="de-AT" dirty="0"/>
           </a:p>
         </p:txBody>
       </p:sp>
@@ -13532,10 +13569,10 @@
               <a:defRPr/>
             </a:pPr>
             <a:r>
-              <a:rPr lang="de-AT" smtClean="0"/>
-              <a:t>&lt;insert your name here&gt;</a:t>
+              <a:rPr lang="de-AT" dirty="0" smtClean="0"/>
+              <a:t>Nicolas Grossmann, Thomas Köppel</a:t>
             </a:r>
-            <a:endParaRPr lang="de-AT"/>
+            <a:endParaRPr lang="de-AT" dirty="0"/>
           </a:p>
         </p:txBody>
       </p:sp>
@@ -13797,10 +13834,10 @@
               <a:defRPr/>
             </a:pPr>
             <a:r>
-              <a:rPr lang="de-AT" smtClean="0"/>
-              <a:t>&lt;insert your name here&gt;</a:t>
+              <a:rPr lang="de-AT" dirty="0" smtClean="0"/>
+              <a:t>Nicolas Grossmann, Thomas Köppel</a:t>
             </a:r>
-            <a:endParaRPr lang="de-AT"/>
+            <a:endParaRPr lang="de-AT" dirty="0"/>
           </a:p>
         </p:txBody>
       </p:sp>
@@ -14039,10 +14076,10 @@
               <a:defRPr/>
             </a:pPr>
             <a:r>
-              <a:rPr lang="de-AT" smtClean="0"/>
-              <a:t>&lt;insert your name here&gt;</a:t>
+              <a:rPr lang="de-AT" dirty="0" smtClean="0"/>
+              <a:t>Nicolas Grossmann, Thomas Köppel</a:t>
             </a:r>
-            <a:endParaRPr lang="de-AT"/>
+            <a:endParaRPr lang="de-AT" dirty="0"/>
           </a:p>
         </p:txBody>
       </p:sp>
@@ -14197,10 +14234,10 @@
               <a:defRPr/>
             </a:pPr>
             <a:r>
-              <a:rPr lang="de-AT" smtClean="0"/>
-              <a:t>&lt;insert your name here&gt;</a:t>
+              <a:rPr lang="de-AT" dirty="0" smtClean="0"/>
+              <a:t>Nicolas Grossmann, Thomas Köppel</a:t>
             </a:r>
-            <a:endParaRPr lang="de-AT"/>
+            <a:endParaRPr lang="de-AT" dirty="0"/>
           </a:p>
         </p:txBody>
       </p:sp>
@@ -18789,8 +18826,8 @@
               <a:defRPr/>
             </a:pPr>
             <a:r>
-              <a:rPr lang="de-AT" smtClean="0"/>
-              <a:t>&lt;insert your name here&gt;</a:t>
+              <a:rPr lang="de-AT" dirty="0" smtClean="0"/>
+              <a:t>Nicolas Grossmann, Thomas Köppel</a:t>
             </a:r>
             <a:endParaRPr lang="de-AT" dirty="0"/>
           </a:p>
@@ -19405,13 +19442,8 @@
             </a:br>
             <a:r>
               <a:rPr lang="en-US" dirty="0" smtClean="0"/>
-              <a:t>for Characterizing the Uncertainty in Vector </a:t>
+              <a:t>for Characterizing the Uncertainty in Vector Field Ensembles</a:t>
             </a:r>
-            <a:r>
-              <a:rPr lang="en-US" dirty="0" smtClean="0"/>
-              <a:t>Field Ensembles</a:t>
-            </a:r>
-            <a:endParaRPr lang="en-US" dirty="0" smtClean="0"/>
           </a:p>
         </p:txBody>
       </p:sp>
@@ -19442,7 +19474,6 @@
               <a:rPr lang="en-US" dirty="0" smtClean="0"/>
               <a:t>Thomas Köppel, 1327052</a:t>
             </a:r>
-            <a:endParaRPr lang="en-US" dirty="0" smtClean="0"/>
           </a:p>
         </p:txBody>
       </p:sp>
@@ -19656,6 +19687,732 @@
 </p:sld>
 </file>
 
+<file path=ppt/slides/slide10.xml><?xml version="1.0" encoding="utf-8"?>
+<p:sld xmlns:a="http://schemas.openxmlformats.org/drawingml/2006/main" xmlns:r="http://schemas.openxmlformats.org/officeDocument/2006/relationships" xmlns:p="http://schemas.openxmlformats.org/presentationml/2006/main">
+  <p:cSld>
+    <p:spTree>
+      <p:nvGrpSpPr>
+        <p:cNvPr id="1" name=""/>
+        <p:cNvGrpSpPr/>
+        <p:nvPr/>
+      </p:nvGrpSpPr>
+      <p:grpSpPr>
+        <a:xfrm>
+          <a:off x="0" y="0"/>
+          <a:ext cx="0" cy="0"/>
+          <a:chOff x="0" y="0"/>
+          <a:chExt cx="0" cy="0"/>
+        </a:xfrm>
+      </p:grpSpPr>
+      <p:sp>
+        <p:nvSpPr>
+          <p:cNvPr id="2" name="Titel 1"/>
+          <p:cNvSpPr>
+            <a:spLocks noGrp="1"/>
+          </p:cNvSpPr>
+          <p:nvPr>
+            <p:ph type="title"/>
+          </p:nvPr>
+        </p:nvSpPr>
+        <p:spPr/>
+        <p:txBody>
+          <a:bodyPr/>
+          <a:lstStyle/>
+          <a:p>
+            <a:r>
+              <a:rPr lang="de-AT" dirty="0" smtClean="0"/>
+              <a:t>Reisedaten</a:t>
+            </a:r>
+            <a:endParaRPr lang="de-AT" dirty="0"/>
+          </a:p>
+        </p:txBody>
+      </p:sp>
+      <p:pic>
+        <p:nvPicPr>
+          <p:cNvPr id="6" name="Inhaltsplatzhalter 5"/>
+          <p:cNvPicPr>
+            <a:picLocks noGrp="1" noChangeAspect="1"/>
+          </p:cNvPicPr>
+          <p:nvPr>
+            <p:ph idx="1"/>
+          </p:nvPr>
+        </p:nvPicPr>
+        <p:blipFill>
+          <a:blip r:embed="rId2"/>
+          <a:stretch>
+            <a:fillRect/>
+          </a:stretch>
+        </p:blipFill>
+        <p:spPr>
+          <a:xfrm>
+            <a:off x="863885" y="908050"/>
+            <a:ext cx="7487668" cy="5473700"/>
+          </a:xfrm>
+          <a:prstGeom prst="rect">
+            <a:avLst/>
+          </a:prstGeom>
+        </p:spPr>
+      </p:pic>
+      <p:sp>
+        <p:nvSpPr>
+          <p:cNvPr id="4" name="Fußzeilenplatzhalter 3"/>
+          <p:cNvSpPr>
+            <a:spLocks noGrp="1"/>
+          </p:cNvSpPr>
+          <p:nvPr>
+            <p:ph type="ftr" sz="quarter" idx="10"/>
+          </p:nvPr>
+        </p:nvSpPr>
+        <p:spPr/>
+        <p:txBody>
+          <a:bodyPr/>
+          <a:lstStyle/>
+          <a:p>
+            <a:pPr>
+              <a:defRPr/>
+            </a:pPr>
+            <a:r>
+              <a:rPr lang="de-AT" dirty="0"/>
+              <a:t>Nicolas Grossmann, Thomas Köppel</a:t>
+            </a:r>
+            <a:endParaRPr lang="de-AT" dirty="0"/>
+          </a:p>
+        </p:txBody>
+      </p:sp>
+      <p:sp>
+        <p:nvSpPr>
+          <p:cNvPr id="5" name="Foliennummernplatzhalter 4"/>
+          <p:cNvSpPr>
+            <a:spLocks noGrp="1"/>
+          </p:cNvSpPr>
+          <p:nvPr>
+            <p:ph type="sldNum" sz="quarter" idx="11"/>
+          </p:nvPr>
+        </p:nvSpPr>
+        <p:spPr/>
+        <p:txBody>
+          <a:bodyPr/>
+          <a:lstStyle/>
+          <a:p>
+            <a:pPr>
+              <a:defRPr/>
+            </a:pPr>
+            <a:fld id="{63707275-EA33-4C2C-A96C-B80BEB93EE54}" type="slidenum">
+              <a:rPr lang="de-AT" smtClean="0"/>
+              <a:t>10</a:t>
+            </a:fld>
+            <a:endParaRPr lang="de-AT" dirty="0"/>
+          </a:p>
+        </p:txBody>
+      </p:sp>
+      <p:sp>
+        <p:nvSpPr>
+          <p:cNvPr id="3" name="Textfeld 2"/>
+          <p:cNvSpPr txBox="1"/>
+          <p:nvPr/>
+        </p:nvSpPr>
+        <p:spPr>
+          <a:xfrm>
+            <a:off x="6372200" y="5781585"/>
+            <a:ext cx="2267385" cy="1200329"/>
+          </a:xfrm>
+          <a:prstGeom prst="rect">
+            <a:avLst/>
+          </a:prstGeom>
+          <a:noFill/>
+        </p:spPr>
+        <p:txBody>
+          <a:bodyPr wrap="square" rtlCol="0">
+            <a:spAutoFit/>
+          </a:bodyPr>
+          <a:lstStyle/>
+          <a:p>
+            <a:r>
+              <a:rPr lang="de-AT" dirty="0">
+                <a:hlinkClick r:id="rId3"/>
+              </a:rPr>
+              <a:t>http://</a:t>
+            </a:r>
+            <a:r>
+              <a:rPr lang="de-AT" dirty="0" smtClean="0">
+                <a:hlinkClick r:id="rId3"/>
+              </a:rPr>
+              <a:t>ec.europa.eu/eurostat/web/tourism/data/database</a:t>
+            </a:r>
+            <a:endParaRPr lang="de-AT" dirty="0" smtClean="0"/>
+          </a:p>
+          <a:p>
+            <a:endParaRPr lang="de-AT" dirty="0"/>
+          </a:p>
+        </p:txBody>
+      </p:sp>
+    </p:spTree>
+    <p:extLst>
+      <p:ext uri="{BB962C8B-B14F-4D97-AF65-F5344CB8AC3E}">
+        <p14:creationId xmlns:p14="http://schemas.microsoft.com/office/powerpoint/2010/main" val="116108937"/>
+      </p:ext>
+    </p:extLst>
+  </p:cSld>
+  <p:clrMapOvr>
+    <a:masterClrMapping/>
+  </p:clrMapOvr>
+</p:sld>
+</file>
+
+<file path=ppt/slides/slide11.xml><?xml version="1.0" encoding="utf-8"?>
+<p:sld xmlns:a="http://schemas.openxmlformats.org/drawingml/2006/main" xmlns:r="http://schemas.openxmlformats.org/officeDocument/2006/relationships" xmlns:p="http://schemas.openxmlformats.org/presentationml/2006/main">
+  <p:cSld>
+    <p:spTree>
+      <p:nvGrpSpPr>
+        <p:cNvPr id="1" name=""/>
+        <p:cNvGrpSpPr/>
+        <p:nvPr/>
+      </p:nvGrpSpPr>
+      <p:grpSpPr>
+        <a:xfrm>
+          <a:off x="0" y="0"/>
+          <a:ext cx="0" cy="0"/>
+          <a:chOff x="0" y="0"/>
+          <a:chExt cx="0" cy="0"/>
+        </a:xfrm>
+      </p:grpSpPr>
+      <p:sp>
+        <p:nvSpPr>
+          <p:cNvPr id="2" name="Titel 1"/>
+          <p:cNvSpPr>
+            <a:spLocks noGrp="1"/>
+          </p:cNvSpPr>
+          <p:nvPr>
+            <p:ph type="title"/>
+          </p:nvPr>
+        </p:nvSpPr>
+        <p:spPr/>
+        <p:txBody>
+          <a:bodyPr/>
+          <a:lstStyle/>
+          <a:p>
+            <a:r>
+              <a:rPr lang="de-AT" dirty="0" smtClean="0"/>
+              <a:t>Reisedaten</a:t>
+            </a:r>
+            <a:endParaRPr lang="de-AT" dirty="0"/>
+          </a:p>
+        </p:txBody>
+      </p:sp>
+      <p:pic>
+        <p:nvPicPr>
+          <p:cNvPr id="6" name="Inhaltsplatzhalter 5"/>
+          <p:cNvPicPr>
+            <a:picLocks noGrp="1" noChangeAspect="1"/>
+          </p:cNvPicPr>
+          <p:nvPr>
+            <p:ph idx="1"/>
+          </p:nvPr>
+        </p:nvPicPr>
+        <p:blipFill>
+          <a:blip r:embed="rId2"/>
+          <a:stretch>
+            <a:fillRect/>
+          </a:stretch>
+        </p:blipFill>
+        <p:spPr>
+          <a:xfrm>
+            <a:off x="863885" y="908050"/>
+            <a:ext cx="7487668" cy="5473700"/>
+          </a:xfrm>
+          <a:prstGeom prst="rect">
+            <a:avLst/>
+          </a:prstGeom>
+        </p:spPr>
+      </p:pic>
+      <p:sp>
+        <p:nvSpPr>
+          <p:cNvPr id="4" name="Fußzeilenplatzhalter 3"/>
+          <p:cNvSpPr>
+            <a:spLocks noGrp="1"/>
+          </p:cNvSpPr>
+          <p:nvPr>
+            <p:ph type="ftr" sz="quarter" idx="10"/>
+          </p:nvPr>
+        </p:nvSpPr>
+        <p:spPr/>
+        <p:txBody>
+          <a:bodyPr/>
+          <a:lstStyle/>
+          <a:p>
+            <a:pPr>
+              <a:defRPr/>
+            </a:pPr>
+            <a:r>
+              <a:rPr lang="de-AT" dirty="0"/>
+              <a:t>Nicolas Grossmann, Thomas Köppel</a:t>
+            </a:r>
+            <a:endParaRPr lang="de-AT" dirty="0"/>
+          </a:p>
+        </p:txBody>
+      </p:sp>
+      <p:sp>
+        <p:nvSpPr>
+          <p:cNvPr id="5" name="Foliennummernplatzhalter 4"/>
+          <p:cNvSpPr>
+            <a:spLocks noGrp="1"/>
+          </p:cNvSpPr>
+          <p:nvPr>
+            <p:ph type="sldNum" sz="quarter" idx="11"/>
+          </p:nvPr>
+        </p:nvSpPr>
+        <p:spPr/>
+        <p:txBody>
+          <a:bodyPr/>
+          <a:lstStyle/>
+          <a:p>
+            <a:pPr>
+              <a:defRPr/>
+            </a:pPr>
+            <a:fld id="{63707275-EA33-4C2C-A96C-B80BEB93EE54}" type="slidenum">
+              <a:rPr lang="de-AT" smtClean="0"/>
+              <a:t>11</a:t>
+            </a:fld>
+            <a:endParaRPr lang="de-AT" dirty="0"/>
+          </a:p>
+        </p:txBody>
+      </p:sp>
+    </p:spTree>
+    <p:extLst>
+      <p:ext uri="{BB962C8B-B14F-4D97-AF65-F5344CB8AC3E}">
+        <p14:creationId xmlns:p14="http://schemas.microsoft.com/office/powerpoint/2010/main" val="4105690405"/>
+      </p:ext>
+    </p:extLst>
+  </p:cSld>
+  <p:clrMapOvr>
+    <a:masterClrMapping/>
+  </p:clrMapOvr>
+</p:sld>
+</file>
+
+<file path=ppt/slides/slide12.xml><?xml version="1.0" encoding="utf-8"?>
+<p:sld xmlns:a="http://schemas.openxmlformats.org/drawingml/2006/main" xmlns:r="http://schemas.openxmlformats.org/officeDocument/2006/relationships" xmlns:p="http://schemas.openxmlformats.org/presentationml/2006/main">
+  <p:cSld>
+    <p:spTree>
+      <p:nvGrpSpPr>
+        <p:cNvPr id="1" name=""/>
+        <p:cNvGrpSpPr/>
+        <p:nvPr/>
+      </p:nvGrpSpPr>
+      <p:grpSpPr>
+        <a:xfrm>
+          <a:off x="0" y="0"/>
+          <a:ext cx="0" cy="0"/>
+          <a:chOff x="0" y="0"/>
+          <a:chExt cx="0" cy="0"/>
+        </a:xfrm>
+      </p:grpSpPr>
+      <p:sp>
+        <p:nvSpPr>
+          <p:cNvPr id="2" name="Titel 1"/>
+          <p:cNvSpPr>
+            <a:spLocks noGrp="1"/>
+          </p:cNvSpPr>
+          <p:nvPr>
+            <p:ph type="title"/>
+          </p:nvPr>
+        </p:nvSpPr>
+        <p:spPr/>
+        <p:txBody>
+          <a:bodyPr/>
+          <a:lstStyle/>
+          <a:p>
+            <a:r>
+              <a:rPr lang="de-AT" dirty="0" smtClean="0"/>
+              <a:t>Demo</a:t>
+            </a:r>
+            <a:endParaRPr lang="de-AT" dirty="0"/>
+          </a:p>
+        </p:txBody>
+      </p:sp>
+      <p:sp>
+        <p:nvSpPr>
+          <p:cNvPr id="3" name="Inhaltsplatzhalter 2"/>
+          <p:cNvSpPr>
+            <a:spLocks noGrp="1"/>
+          </p:cNvSpPr>
+          <p:nvPr>
+            <p:ph idx="1"/>
+          </p:nvPr>
+        </p:nvSpPr>
+        <p:spPr/>
+        <p:txBody>
+          <a:bodyPr anchor="ctr"/>
+          <a:lstStyle/>
+          <a:p>
+            <a:pPr marL="0" indent="0" algn="ctr">
+              <a:buNone/>
+            </a:pPr>
+            <a:r>
+              <a:rPr lang="de-AT" sz="8000" b="1" dirty="0" smtClean="0"/>
+              <a:t>Video</a:t>
+            </a:r>
+            <a:endParaRPr lang="de-AT" sz="8000" b="1" dirty="0"/>
+          </a:p>
+        </p:txBody>
+      </p:sp>
+      <p:sp>
+        <p:nvSpPr>
+          <p:cNvPr id="4" name="Fußzeilenplatzhalter 3"/>
+          <p:cNvSpPr>
+            <a:spLocks noGrp="1"/>
+          </p:cNvSpPr>
+          <p:nvPr>
+            <p:ph type="ftr" sz="quarter" idx="10"/>
+          </p:nvPr>
+        </p:nvSpPr>
+        <p:spPr/>
+        <p:txBody>
+          <a:bodyPr/>
+          <a:lstStyle/>
+          <a:p>
+            <a:pPr>
+              <a:defRPr/>
+            </a:pPr>
+            <a:r>
+              <a:rPr lang="de-AT" smtClean="0"/>
+              <a:t>Nicolas Grossmann, Thomas Köppel</a:t>
+            </a:r>
+            <a:endParaRPr lang="de-AT" dirty="0"/>
+          </a:p>
+        </p:txBody>
+      </p:sp>
+      <p:sp>
+        <p:nvSpPr>
+          <p:cNvPr id="5" name="Foliennummernplatzhalter 4"/>
+          <p:cNvSpPr>
+            <a:spLocks noGrp="1"/>
+          </p:cNvSpPr>
+          <p:nvPr>
+            <p:ph type="sldNum" sz="quarter" idx="11"/>
+          </p:nvPr>
+        </p:nvSpPr>
+        <p:spPr/>
+        <p:txBody>
+          <a:bodyPr/>
+          <a:lstStyle/>
+          <a:p>
+            <a:pPr>
+              <a:defRPr/>
+            </a:pPr>
+            <a:fld id="{63707275-EA33-4C2C-A96C-B80BEB93EE54}" type="slidenum">
+              <a:rPr lang="de-AT" smtClean="0"/>
+              <a:t>12</a:t>
+            </a:fld>
+            <a:endParaRPr lang="de-AT" dirty="0"/>
+          </a:p>
+        </p:txBody>
+      </p:sp>
+    </p:spTree>
+    <p:extLst>
+      <p:ext uri="{BB962C8B-B14F-4D97-AF65-F5344CB8AC3E}">
+        <p14:creationId xmlns:p14="http://schemas.microsoft.com/office/powerpoint/2010/main" val="3174385438"/>
+      </p:ext>
+    </p:extLst>
+  </p:cSld>
+  <p:clrMapOvr>
+    <a:masterClrMapping/>
+  </p:clrMapOvr>
+</p:sld>
+</file>
+
+<file path=ppt/slides/slide13.xml><?xml version="1.0" encoding="utf-8"?>
+<p:sld xmlns:a="http://schemas.openxmlformats.org/drawingml/2006/main" xmlns:r="http://schemas.openxmlformats.org/officeDocument/2006/relationships" xmlns:p="http://schemas.openxmlformats.org/presentationml/2006/main">
+  <p:cSld>
+    <p:spTree>
+      <p:nvGrpSpPr>
+        <p:cNvPr id="1" name=""/>
+        <p:cNvGrpSpPr/>
+        <p:nvPr/>
+      </p:nvGrpSpPr>
+      <p:grpSpPr>
+        <a:xfrm>
+          <a:off x="0" y="0"/>
+          <a:ext cx="0" cy="0"/>
+          <a:chOff x="0" y="0"/>
+          <a:chExt cx="0" cy="0"/>
+        </a:xfrm>
+      </p:grpSpPr>
+      <p:sp>
+        <p:nvSpPr>
+          <p:cNvPr id="12" name="Titel 11"/>
+          <p:cNvSpPr>
+            <a:spLocks noGrp="1"/>
+          </p:cNvSpPr>
+          <p:nvPr>
+            <p:ph type="title"/>
+          </p:nvPr>
+        </p:nvSpPr>
+        <p:spPr/>
+        <p:txBody>
+          <a:bodyPr/>
+          <a:lstStyle/>
+          <a:p>
+            <a:r>
+              <a:rPr lang="de-AT" dirty="0" smtClean="0"/>
+              <a:t>Resultate</a:t>
+            </a:r>
+            <a:endParaRPr lang="de-AT" dirty="0"/>
+          </a:p>
+        </p:txBody>
+      </p:sp>
+      <p:sp>
+        <p:nvSpPr>
+          <p:cNvPr id="13" name="Inhaltsplatzhalter 12"/>
+          <p:cNvSpPr>
+            <a:spLocks noGrp="1"/>
+          </p:cNvSpPr>
+          <p:nvPr>
+            <p:ph sz="half" idx="1"/>
+          </p:nvPr>
+        </p:nvSpPr>
+        <p:spPr>
+          <a:xfrm>
+            <a:off x="179388" y="1700808"/>
+            <a:ext cx="4351337" cy="4680942"/>
+          </a:xfrm>
+        </p:spPr>
+        <p:txBody>
+          <a:bodyPr/>
+          <a:lstStyle/>
+          <a:p>
+            <a:r>
+              <a:rPr lang="de-AT" dirty="0" smtClean="0"/>
+              <a:t>Finden von Trends</a:t>
+            </a:r>
+          </a:p>
+          <a:p>
+            <a:pPr lvl="1"/>
+            <a:r>
+              <a:rPr lang="de-AT" dirty="0" smtClean="0"/>
+              <a:t>Strömungsdaten</a:t>
+            </a:r>
+          </a:p>
+          <a:p>
+            <a:pPr lvl="1"/>
+            <a:r>
+              <a:rPr lang="de-AT" dirty="0" smtClean="0"/>
+              <a:t>Reisedaten</a:t>
+            </a:r>
+          </a:p>
+          <a:p>
+            <a:r>
+              <a:rPr lang="de-AT" dirty="0" smtClean="0"/>
+              <a:t>Informationen über Trends</a:t>
+            </a:r>
+          </a:p>
+          <a:p>
+            <a:pPr lvl="1"/>
+            <a:r>
+              <a:rPr lang="de-AT" dirty="0" smtClean="0"/>
+              <a:t>Verhältnisse</a:t>
+            </a:r>
+          </a:p>
+          <a:p>
+            <a:pPr lvl="1"/>
+            <a:r>
+              <a:rPr lang="de-AT" dirty="0" smtClean="0"/>
+              <a:t>Variabilität</a:t>
+            </a:r>
+          </a:p>
+          <a:p>
+            <a:pPr lvl="1"/>
+            <a:r>
+              <a:rPr lang="de-AT" dirty="0" smtClean="0"/>
+              <a:t>Median</a:t>
+            </a:r>
+          </a:p>
+          <a:p>
+            <a:r>
+              <a:rPr lang="de-AT" dirty="0" smtClean="0"/>
+              <a:t>Interaktives Erkunden</a:t>
+            </a:r>
+            <a:endParaRPr lang="de-AT" dirty="0"/>
+          </a:p>
+        </p:txBody>
+      </p:sp>
+      <p:sp>
+        <p:nvSpPr>
+          <p:cNvPr id="14" name="Inhaltsplatzhalter 13"/>
+          <p:cNvSpPr>
+            <a:spLocks noGrp="1"/>
+          </p:cNvSpPr>
+          <p:nvPr>
+            <p:ph sz="half" idx="2"/>
+          </p:nvPr>
+        </p:nvSpPr>
+        <p:spPr>
+          <a:xfrm>
+            <a:off x="4683125" y="1700808"/>
+            <a:ext cx="4352925" cy="4680942"/>
+          </a:xfrm>
+        </p:spPr>
+        <p:txBody>
+          <a:bodyPr/>
+          <a:lstStyle/>
+          <a:p>
+            <a:r>
+              <a:rPr lang="de-AT" dirty="0" smtClean="0"/>
+              <a:t>Teils langsamer Datenaustausch</a:t>
+            </a:r>
+          </a:p>
+          <a:p>
+            <a:pPr lvl="1"/>
+            <a:r>
+              <a:rPr lang="de-AT" dirty="0" smtClean="0"/>
+              <a:t>GUI &lt;-&gt; </a:t>
+            </a:r>
+            <a:r>
+              <a:rPr lang="de-AT" dirty="0" err="1" smtClean="0"/>
+              <a:t>Matlab</a:t>
+            </a:r>
+            <a:endParaRPr lang="de-AT" dirty="0" smtClean="0"/>
+          </a:p>
+          <a:p>
+            <a:r>
+              <a:rPr lang="de-AT" dirty="0" smtClean="0"/>
+              <a:t>Behandlung der unterschiedliche Anzahl an Punkten in den Linien</a:t>
+            </a:r>
+          </a:p>
+          <a:p>
+            <a:r>
+              <a:rPr lang="de-AT" dirty="0" smtClean="0"/>
+              <a:t>Zufallsabhängiges Clustering</a:t>
+            </a:r>
+            <a:endParaRPr lang="de-AT" dirty="0"/>
+          </a:p>
+        </p:txBody>
+      </p:sp>
+      <p:sp>
+        <p:nvSpPr>
+          <p:cNvPr id="4" name="Fußzeilenplatzhalter 3"/>
+          <p:cNvSpPr>
+            <a:spLocks noGrp="1"/>
+          </p:cNvSpPr>
+          <p:nvPr>
+            <p:ph type="ftr" sz="quarter" idx="10"/>
+          </p:nvPr>
+        </p:nvSpPr>
+        <p:spPr/>
+        <p:txBody>
+          <a:bodyPr/>
+          <a:lstStyle/>
+          <a:p>
+            <a:pPr>
+              <a:defRPr/>
+            </a:pPr>
+            <a:r>
+              <a:rPr lang="de-AT" smtClean="0"/>
+              <a:t>&lt;insert your name here&gt;</a:t>
+            </a:r>
+            <a:endParaRPr lang="de-AT" dirty="0"/>
+          </a:p>
+        </p:txBody>
+      </p:sp>
+      <p:sp>
+        <p:nvSpPr>
+          <p:cNvPr id="5" name="Foliennummernplatzhalter 4"/>
+          <p:cNvSpPr>
+            <a:spLocks noGrp="1"/>
+          </p:cNvSpPr>
+          <p:nvPr>
+            <p:ph type="sldNum" sz="quarter" idx="11"/>
+          </p:nvPr>
+        </p:nvSpPr>
+        <p:spPr/>
+        <p:txBody>
+          <a:bodyPr/>
+          <a:lstStyle/>
+          <a:p>
+            <a:pPr>
+              <a:defRPr/>
+            </a:pPr>
+            <a:fld id="{63707275-EA33-4C2C-A96C-B80BEB93EE54}" type="slidenum">
+              <a:rPr lang="de-AT" smtClean="0"/>
+              <a:t>13</a:t>
+            </a:fld>
+            <a:endParaRPr lang="de-AT" dirty="0"/>
+          </a:p>
+        </p:txBody>
+      </p:sp>
+      <p:sp>
+        <p:nvSpPr>
+          <p:cNvPr id="15" name="Textfeld 14"/>
+          <p:cNvSpPr txBox="1"/>
+          <p:nvPr/>
+        </p:nvSpPr>
+        <p:spPr>
+          <a:xfrm>
+            <a:off x="179387" y="989638"/>
+            <a:ext cx="4351337" cy="523220"/>
+          </a:xfrm>
+          <a:prstGeom prst="rect">
+            <a:avLst/>
+          </a:prstGeom>
+          <a:noFill/>
+        </p:spPr>
+        <p:txBody>
+          <a:bodyPr wrap="square" rtlCol="0">
+            <a:spAutoFit/>
+          </a:bodyPr>
+          <a:lstStyle/>
+          <a:p>
+            <a:r>
+              <a:rPr lang="de-AT" sz="2800" b="1" dirty="0" smtClean="0"/>
+              <a:t>Stärken</a:t>
+            </a:r>
+            <a:endParaRPr lang="de-AT" sz="2800" b="1" dirty="0"/>
+          </a:p>
+        </p:txBody>
+      </p:sp>
+      <p:sp>
+        <p:nvSpPr>
+          <p:cNvPr id="16" name="Textfeld 15"/>
+          <p:cNvSpPr txBox="1"/>
+          <p:nvPr/>
+        </p:nvSpPr>
+        <p:spPr>
+          <a:xfrm>
+            <a:off x="4530724" y="988676"/>
+            <a:ext cx="4351337" cy="523220"/>
+          </a:xfrm>
+          <a:prstGeom prst="rect">
+            <a:avLst/>
+          </a:prstGeom>
+          <a:noFill/>
+        </p:spPr>
+        <p:txBody>
+          <a:bodyPr wrap="square" rtlCol="0">
+            <a:spAutoFit/>
+          </a:bodyPr>
+          <a:lstStyle/>
+          <a:p>
+            <a:r>
+              <a:rPr lang="de-AT" sz="2800" b="1" dirty="0" smtClean="0"/>
+              <a:t>Schwächen</a:t>
+            </a:r>
+            <a:endParaRPr lang="de-AT" sz="2800" b="1" dirty="0"/>
+          </a:p>
+        </p:txBody>
+      </p:sp>
+    </p:spTree>
+    <p:extLst>
+      <p:ext uri="{BB962C8B-B14F-4D97-AF65-F5344CB8AC3E}">
+        <p14:creationId xmlns:p14="http://schemas.microsoft.com/office/powerpoint/2010/main" val="1141364799"/>
+      </p:ext>
+    </p:extLst>
+  </p:cSld>
+  <p:clrMapOvr>
+    <a:masterClrMapping/>
+  </p:clrMapOvr>
+</p:sld>
+</file>
+
 <file path=ppt/slides/slide2.xml><?xml version="1.0" encoding="utf-8"?>
 <p:sld xmlns:a="http://schemas.openxmlformats.org/drawingml/2006/main" xmlns:r="http://schemas.openxmlformats.org/officeDocument/2006/relationships" xmlns:p="http://schemas.openxmlformats.org/presentationml/2006/main">
   <p:cSld>
@@ -19691,7 +20448,7 @@
             <a:pPr eaLnBrk="1" hangingPunct="1"/>
             <a:r>
               <a:rPr lang="en-US" dirty="0" err="1" smtClean="0"/>
-              <a:t>Beispiel</a:t>
+              <a:t>Ziel</a:t>
             </a:r>
             <a:endParaRPr lang="en-US" dirty="0" smtClean="0"/>
           </a:p>
@@ -19861,23 +20618,7 @@
             <a:pPr eaLnBrk="1" hangingPunct="1"/>
             <a:r>
               <a:rPr lang="en-US" dirty="0" err="1" smtClean="0"/>
-              <a:t>Schritt</a:t>
-            </a:r>
-            <a:r>
-              <a:rPr lang="en-US" dirty="0" smtClean="0"/>
-              <a:t> 1: </a:t>
-            </a:r>
-            <a:r>
-              <a:rPr lang="en-US" dirty="0" err="1" smtClean="0"/>
-              <a:t>Pfadlininen</a:t>
-            </a:r>
-            <a:r>
-              <a:rPr lang="en-US" dirty="0" smtClean="0"/>
-              <a:t> </a:t>
-            </a:r>
-            <a:r>
-              <a:rPr lang="en-US" dirty="0" err="1" smtClean="0"/>
-              <a:t>erzeugen</a:t>
+              <a:t>Ablauf</a:t>
             </a:r>
             <a:endParaRPr lang="en-US" dirty="0" smtClean="0"/>
           </a:p>
@@ -19944,7 +20685,7 @@
           <p:nvPr/>
         </p:nvPicPr>
         <p:blipFill rotWithShape="1">
-          <a:blip r:embed="rId2">
+          <a:blip r:embed="rId2" cstate="print">
             <a:extLst>
               <a:ext uri="{28A0092B-C50C-407E-A947-70E740481C1C}">
                 <a14:useLocalDpi xmlns:a14="http://schemas.microsoft.com/office/drawing/2010/main" val="0"/>
@@ -19956,8 +20697,8 @@
         </p:blipFill>
         <p:spPr bwMode="auto">
           <a:xfrm>
-            <a:off x="1882874" y="883890"/>
-            <a:ext cx="5353422" cy="5353422"/>
+            <a:off x="1007744" y="968056"/>
+            <a:ext cx="2520000" cy="2520000"/>
           </a:xfrm>
           <a:prstGeom prst="rect">
             <a:avLst/>
@@ -19987,6 +20728,288 @@
           </a:extLst>
         </p:spPr>
       </p:pic>
+      <p:pic>
+        <p:nvPicPr>
+          <p:cNvPr id="7" name="Picture 2"/>
+          <p:cNvPicPr>
+            <a:picLocks noChangeAspect="1" noChangeArrowheads="1"/>
+          </p:cNvPicPr>
+          <p:nvPr/>
+        </p:nvPicPr>
+        <p:blipFill>
+          <a:blip r:embed="rId3">
+            <a:extLst>
+              <a:ext uri="{28A0092B-C50C-407E-A947-70E740481C1C}">
+                <a14:useLocalDpi xmlns:a14="http://schemas.microsoft.com/office/drawing/2010/main" val="0"/>
+              </a:ext>
+            </a:extLst>
+          </a:blip>
+          <a:srcRect/>
+          <a:stretch>
+            <a:fillRect/>
+          </a:stretch>
+        </p:blipFill>
+        <p:spPr bwMode="auto">
+          <a:xfrm>
+            <a:off x="5004048" y="1134425"/>
+            <a:ext cx="3128696" cy="2520000"/>
+          </a:xfrm>
+          <a:prstGeom prst="rect">
+            <a:avLst/>
+          </a:prstGeom>
+          <a:noFill/>
+          <a:ln>
+            <a:noFill/>
+          </a:ln>
+          <a:extLst>
+            <a:ext uri="{909E8E84-426E-40DD-AFC4-6F175D3DCCD1}">
+              <a14:hiddenFill xmlns:a14="http://schemas.microsoft.com/office/drawing/2010/main">
+                <a:solidFill>
+                  <a:schemeClr val="accent1"/>
+                </a:solidFill>
+              </a14:hiddenFill>
+            </a:ext>
+            <a:ext uri="{91240B29-F687-4F45-9708-019B960494DF}">
+              <a14:hiddenLine xmlns:a14="http://schemas.microsoft.com/office/drawing/2010/main" w="9525">
+                <a:solidFill>
+                  <a:schemeClr val="tx1"/>
+                </a:solidFill>
+                <a:miter lim="800000"/>
+                <a:headEnd/>
+                <a:tailEnd/>
+              </a14:hiddenLine>
+            </a:ext>
+          </a:extLst>
+        </p:spPr>
+      </p:pic>
+      <p:pic>
+        <p:nvPicPr>
+          <p:cNvPr id="8" name="Picture 2"/>
+          <p:cNvPicPr>
+            <a:picLocks noChangeAspect="1" noChangeArrowheads="1"/>
+          </p:cNvPicPr>
+          <p:nvPr/>
+        </p:nvPicPr>
+        <p:blipFill>
+          <a:blip r:embed="rId4">
+            <a:extLst>
+              <a:ext uri="{28A0092B-C50C-407E-A947-70E740481C1C}">
+                <a14:useLocalDpi xmlns:a14="http://schemas.microsoft.com/office/drawing/2010/main" val="0"/>
+              </a:ext>
+            </a:extLst>
+          </a:blip>
+          <a:srcRect/>
+          <a:stretch>
+            <a:fillRect/>
+          </a:stretch>
+        </p:blipFill>
+        <p:spPr bwMode="auto">
+          <a:xfrm>
+            <a:off x="755402" y="3789742"/>
+            <a:ext cx="3130170" cy="2520000"/>
+          </a:xfrm>
+          <a:prstGeom prst="rect">
+            <a:avLst/>
+          </a:prstGeom>
+          <a:noFill/>
+          <a:ln>
+            <a:noFill/>
+          </a:ln>
+          <a:extLst>
+            <a:ext uri="{909E8E84-426E-40DD-AFC4-6F175D3DCCD1}">
+              <a14:hiddenFill xmlns:a14="http://schemas.microsoft.com/office/drawing/2010/main">
+                <a:solidFill>
+                  <a:schemeClr val="accent1"/>
+                </a:solidFill>
+              </a14:hiddenFill>
+            </a:ext>
+            <a:ext uri="{91240B29-F687-4F45-9708-019B960494DF}">
+              <a14:hiddenLine xmlns:a14="http://schemas.microsoft.com/office/drawing/2010/main" w="9525">
+                <a:solidFill>
+                  <a:schemeClr val="tx1"/>
+                </a:solidFill>
+                <a:miter lim="800000"/>
+                <a:headEnd/>
+                <a:tailEnd/>
+              </a14:hiddenLine>
+            </a:ext>
+          </a:extLst>
+        </p:spPr>
+      </p:pic>
+      <p:pic>
+        <p:nvPicPr>
+          <p:cNvPr id="9" name="Picture 2"/>
+          <p:cNvPicPr>
+            <a:picLocks noChangeAspect="1" noChangeArrowheads="1"/>
+          </p:cNvPicPr>
+          <p:nvPr/>
+        </p:nvPicPr>
+        <p:blipFill>
+          <a:blip r:embed="rId5" cstate="print">
+            <a:extLst>
+              <a:ext uri="{28A0092B-C50C-407E-A947-70E740481C1C}">
+                <a14:useLocalDpi xmlns:a14="http://schemas.microsoft.com/office/drawing/2010/main" val="0"/>
+              </a:ext>
+            </a:extLst>
+          </a:blip>
+          <a:srcRect/>
+          <a:stretch>
+            <a:fillRect/>
+          </a:stretch>
+        </p:blipFill>
+        <p:spPr bwMode="auto">
+          <a:xfrm>
+            <a:off x="5145815" y="3789742"/>
+            <a:ext cx="2845162" cy="2520000"/>
+          </a:xfrm>
+          <a:prstGeom prst="rect">
+            <a:avLst/>
+          </a:prstGeom>
+          <a:noFill/>
+          <a:ln>
+            <a:noFill/>
+          </a:ln>
+          <a:extLst>
+            <a:ext uri="{909E8E84-426E-40DD-AFC4-6F175D3DCCD1}">
+              <a14:hiddenFill xmlns:a14="http://schemas.microsoft.com/office/drawing/2010/main">
+                <a:solidFill>
+                  <a:schemeClr val="accent1"/>
+                </a:solidFill>
+              </a14:hiddenFill>
+            </a:ext>
+            <a:ext uri="{91240B29-F687-4F45-9708-019B960494DF}">
+              <a14:hiddenLine xmlns:a14="http://schemas.microsoft.com/office/drawing/2010/main" w="9525">
+                <a:solidFill>
+                  <a:schemeClr val="tx1"/>
+                </a:solidFill>
+                <a:miter lim="800000"/>
+                <a:headEnd/>
+                <a:tailEnd/>
+              </a14:hiddenLine>
+            </a:ext>
+          </a:extLst>
+        </p:spPr>
+      </p:pic>
+      <p:sp>
+        <p:nvSpPr>
+          <p:cNvPr id="2" name="Textfeld 1"/>
+          <p:cNvSpPr txBox="1"/>
+          <p:nvPr/>
+        </p:nvSpPr>
+        <p:spPr>
+          <a:xfrm>
+            <a:off x="611560" y="1134425"/>
+            <a:ext cx="216024" cy="369332"/>
+          </a:xfrm>
+          <a:prstGeom prst="rect">
+            <a:avLst/>
+          </a:prstGeom>
+          <a:noFill/>
+        </p:spPr>
+        <p:txBody>
+          <a:bodyPr wrap="square" rtlCol="0">
+            <a:spAutoFit/>
+          </a:bodyPr>
+          <a:lstStyle/>
+          <a:p>
+            <a:r>
+              <a:rPr lang="de-AT" dirty="0" smtClean="0"/>
+              <a:t>1</a:t>
+            </a:r>
+            <a:endParaRPr lang="de-AT" dirty="0"/>
+          </a:p>
+        </p:txBody>
+      </p:sp>
+      <p:sp>
+        <p:nvSpPr>
+          <p:cNvPr id="10" name="Textfeld 9"/>
+          <p:cNvSpPr txBox="1"/>
+          <p:nvPr/>
+        </p:nvSpPr>
+        <p:spPr>
+          <a:xfrm>
+            <a:off x="4644008" y="1134425"/>
+            <a:ext cx="216024" cy="369332"/>
+          </a:xfrm>
+          <a:prstGeom prst="rect">
+            <a:avLst/>
+          </a:prstGeom>
+          <a:noFill/>
+        </p:spPr>
+        <p:txBody>
+          <a:bodyPr wrap="square" rtlCol="0">
+            <a:spAutoFit/>
+          </a:bodyPr>
+          <a:lstStyle/>
+          <a:p>
+            <a:r>
+              <a:rPr lang="de-AT" dirty="0" smtClean="0"/>
+              <a:t>2</a:t>
+            </a:r>
+            <a:endParaRPr lang="de-AT" dirty="0"/>
+          </a:p>
+        </p:txBody>
+      </p:sp>
+      <p:sp>
+        <p:nvSpPr>
+          <p:cNvPr id="11" name="Textfeld 10"/>
+          <p:cNvSpPr txBox="1"/>
+          <p:nvPr/>
+        </p:nvSpPr>
+        <p:spPr>
+          <a:xfrm>
+            <a:off x="4644008" y="3861048"/>
+            <a:ext cx="216024" cy="369332"/>
+          </a:xfrm>
+          <a:prstGeom prst="rect">
+            <a:avLst/>
+          </a:prstGeom>
+          <a:noFill/>
+        </p:spPr>
+        <p:txBody>
+          <a:bodyPr wrap="square" rtlCol="0">
+            <a:spAutoFit/>
+          </a:bodyPr>
+          <a:lstStyle/>
+          <a:p>
+            <a:r>
+              <a:rPr lang="de-AT" dirty="0" smtClean="0"/>
+              <a:t>4</a:t>
+            </a:r>
+            <a:endParaRPr lang="de-AT" dirty="0"/>
+          </a:p>
+        </p:txBody>
+      </p:sp>
+      <p:sp>
+        <p:nvSpPr>
+          <p:cNvPr id="12" name="Textfeld 11"/>
+          <p:cNvSpPr txBox="1"/>
+          <p:nvPr/>
+        </p:nvSpPr>
+        <p:spPr>
+          <a:xfrm>
+            <a:off x="611560" y="3861048"/>
+            <a:ext cx="216024" cy="369332"/>
+          </a:xfrm>
+          <a:prstGeom prst="rect">
+            <a:avLst/>
+          </a:prstGeom>
+          <a:noFill/>
+        </p:spPr>
+        <p:txBody>
+          <a:bodyPr wrap="square" rtlCol="0">
+            <a:spAutoFit/>
+          </a:bodyPr>
+          <a:lstStyle/>
+          <a:p>
+            <a:r>
+              <a:rPr lang="de-AT" dirty="0" smtClean="0"/>
+              <a:t>3</a:t>
+            </a:r>
+            <a:endParaRPr lang="de-AT" dirty="0"/>
+          </a:p>
+        </p:txBody>
+      </p:sp>
     </p:spTree>
     <p:extLst>
       <p:ext uri="{BB962C8B-B14F-4D97-AF65-F5344CB8AC3E}">
@@ -20034,12 +21057,7 @@
             <p:ph type="title"/>
           </p:nvPr>
         </p:nvSpPr>
-        <p:spPr>
-          <a:xfrm>
-            <a:off x="468313" y="44450"/>
-            <a:ext cx="7761287" cy="757238"/>
-          </a:xfrm>
-        </p:spPr>
+        <p:spPr/>
         <p:txBody>
           <a:bodyPr/>
           <a:lstStyle/>
@@ -20047,13 +21065,159 @@
             <a:pPr eaLnBrk="1" hangingPunct="1"/>
             <a:r>
               <a:rPr lang="en-US" dirty="0" err="1" smtClean="0"/>
-              <a:t>Schritt</a:t>
+              <a:t>Technologie</a:t>
+            </a:r>
+            <a:endParaRPr lang="en-US" dirty="0" smtClean="0"/>
+          </a:p>
+        </p:txBody>
+      </p:sp>
+      <p:sp>
+        <p:nvSpPr>
+          <p:cNvPr id="2" name="Inhaltsplatzhalter 1"/>
+          <p:cNvSpPr>
+            <a:spLocks noGrp="1"/>
+          </p:cNvSpPr>
+          <p:nvPr>
+            <p:ph sz="half" idx="1"/>
+          </p:nvPr>
+        </p:nvSpPr>
+        <p:spPr/>
+        <p:txBody>
+          <a:bodyPr/>
+          <a:lstStyle/>
+          <a:p>
+            <a:r>
+              <a:rPr lang="de-AT" dirty="0" smtClean="0"/>
+              <a:t> C++</a:t>
+            </a:r>
+          </a:p>
+          <a:p>
+            <a:pPr lvl="1"/>
+            <a:r>
+              <a:rPr lang="de-AT" dirty="0" smtClean="0"/>
+              <a:t>Daten laden</a:t>
+            </a:r>
+          </a:p>
+          <a:p>
+            <a:pPr lvl="1"/>
+            <a:r>
+              <a:rPr lang="de-AT" dirty="0" smtClean="0"/>
+              <a:t>Strömungen simulieren</a:t>
+            </a:r>
+          </a:p>
+          <a:p>
+            <a:endParaRPr lang="de-AT" dirty="0" smtClean="0"/>
+          </a:p>
+          <a:p>
+            <a:r>
+              <a:rPr lang="de-AT" dirty="0" smtClean="0"/>
+              <a:t> </a:t>
             </a:r>
             <a:r>
-              <a:rPr lang="en-US" dirty="0" smtClean="0"/>
-              <a:t> 2: PCA</a:t>
+              <a:rPr lang="de-AT" dirty="0" err="1" smtClean="0"/>
+              <a:t>qt</a:t>
             </a:r>
-            <a:endParaRPr lang="en-US" dirty="0" smtClean="0"/>
+            <a:endParaRPr lang="de-AT" dirty="0"/>
+          </a:p>
+          <a:p>
+            <a:pPr lvl="1"/>
+            <a:r>
+              <a:rPr lang="de-AT" dirty="0" smtClean="0"/>
+              <a:t>GUI</a:t>
+            </a:r>
+          </a:p>
+          <a:p>
+            <a:pPr lvl="1"/>
+            <a:r>
+              <a:rPr lang="de-AT" dirty="0" smtClean="0"/>
+              <a:t>2D – Plots</a:t>
+            </a:r>
+          </a:p>
+          <a:p>
+            <a:pPr lvl="1"/>
+            <a:r>
+              <a:rPr lang="de-AT" dirty="0" smtClean="0"/>
+              <a:t>Interaktion (Parameter, …)</a:t>
+            </a:r>
+            <a:endParaRPr lang="de-AT" dirty="0"/>
+          </a:p>
+        </p:txBody>
+      </p:sp>
+      <p:sp>
+        <p:nvSpPr>
+          <p:cNvPr id="3" name="Inhaltsplatzhalter 2"/>
+          <p:cNvSpPr>
+            <a:spLocks noGrp="1"/>
+          </p:cNvSpPr>
+          <p:nvPr>
+            <p:ph sz="half" idx="2"/>
+          </p:nvPr>
+        </p:nvSpPr>
+        <p:spPr/>
+        <p:txBody>
+          <a:bodyPr/>
+          <a:lstStyle/>
+          <a:p>
+            <a:r>
+              <a:rPr lang="de-AT" dirty="0" err="1" smtClean="0"/>
+              <a:t>Matlab</a:t>
+            </a:r>
+            <a:endParaRPr lang="de-AT" dirty="0" smtClean="0"/>
+          </a:p>
+          <a:p>
+            <a:pPr lvl="1"/>
+            <a:r>
+              <a:rPr lang="de-AT" dirty="0" smtClean="0"/>
+              <a:t>PCA</a:t>
+            </a:r>
+          </a:p>
+          <a:p>
+            <a:pPr lvl="1"/>
+            <a:r>
+              <a:rPr lang="de-AT" dirty="0" smtClean="0"/>
+              <a:t>Clustering</a:t>
+            </a:r>
+          </a:p>
+          <a:p>
+            <a:pPr lvl="1"/>
+            <a:r>
+              <a:rPr lang="de-AT" dirty="0" smtClean="0"/>
+              <a:t>Sampling</a:t>
+            </a:r>
+          </a:p>
+          <a:p>
+            <a:pPr lvl="1"/>
+            <a:r>
+              <a:rPr lang="de-AT" dirty="0" smtClean="0"/>
+              <a:t>Grenzen berechnen</a:t>
+            </a:r>
+            <a:endParaRPr lang="de-AT" dirty="0"/>
+          </a:p>
+        </p:txBody>
+      </p:sp>
+      <p:sp>
+        <p:nvSpPr>
+          <p:cNvPr id="6" name="Footer Placeholder 5"/>
+          <p:cNvSpPr>
+            <a:spLocks noGrp="1"/>
+          </p:cNvSpPr>
+          <p:nvPr>
+            <p:ph type="ftr" sz="quarter" idx="10"/>
+          </p:nvPr>
+        </p:nvSpPr>
+        <p:spPr/>
+        <p:txBody>
+          <a:bodyPr/>
+          <a:lstStyle/>
+          <a:p>
+            <a:pPr>
+              <a:defRPr/>
+            </a:pPr>
+            <a:r>
+              <a:rPr lang="de-AT" dirty="0" smtClean="0"/>
+              <a:t>Nicolas Grossmann, Thomas Köppel</a:t>
+            </a:r>
+            <a:endParaRPr lang="de-AT" dirty="0"/>
           </a:p>
         </p:txBody>
       </p:sp>
@@ -20064,7 +21228,7 @@
             <a:spLocks noGrp="1"/>
           </p:cNvSpPr>
           <p:nvPr>
-            <p:ph type="sldNum" sz="quarter" idx="13"/>
+            <p:ph type="sldNum" sz="quarter" idx="11"/>
           </p:nvPr>
         </p:nvSpPr>
         <p:spPr/>
@@ -20083,86 +21247,6 @@
           </a:p>
         </p:txBody>
       </p:sp>
-      <p:sp>
-        <p:nvSpPr>
-          <p:cNvPr id="6" name="Footer Placeholder 5"/>
-          <p:cNvSpPr>
-            <a:spLocks noGrp="1"/>
-          </p:cNvSpPr>
-          <p:nvPr>
-            <p:ph type="ftr" sz="quarter" idx="12"/>
-          </p:nvPr>
-        </p:nvSpPr>
-        <p:spPr/>
-        <p:txBody>
-          <a:bodyPr/>
-          <a:lstStyle/>
-          <a:p>
-            <a:pPr>
-              <a:defRPr/>
-            </a:pPr>
-            <a:r>
-              <a:rPr lang="de-AT" dirty="0" smtClean="0"/>
-              <a:t>Nicolas Grossmann, Thomas Köppel</a:t>
-            </a:r>
-            <a:endParaRPr lang="de-AT" dirty="0"/>
-          </a:p>
-        </p:txBody>
-      </p:sp>
-      <p:pic>
-        <p:nvPicPr>
-          <p:cNvPr id="3074" name="Picture 2"/>
-          <p:cNvPicPr>
-            <a:picLocks noChangeAspect="1" noChangeArrowheads="1"/>
-          </p:cNvPicPr>
-          <p:nvPr/>
-        </p:nvPicPr>
-        <p:blipFill>
-          <a:blip r:embed="rId2">
-            <a:extLst>
-              <a:ext uri="{28A0092B-C50C-407E-A947-70E740481C1C}">
-                <a14:useLocalDpi xmlns:a14="http://schemas.microsoft.com/office/drawing/2010/main" val="0"/>
-              </a:ext>
-            </a:extLst>
-          </a:blip>
-          <a:srcRect/>
-          <a:stretch>
-            <a:fillRect/>
-          </a:stretch>
-        </p:blipFill>
-        <p:spPr bwMode="auto">
-          <a:xfrm>
-            <a:off x="1475656" y="1244674"/>
-            <a:ext cx="6198589" cy="4992638"/>
-          </a:xfrm>
-          <a:prstGeom prst="rect">
-            <a:avLst/>
-          </a:prstGeom>
-          <a:noFill/>
-          <a:ln>
-            <a:noFill/>
-          </a:ln>
-          <a:extLst>
-            <a:ext uri="{909E8E84-426E-40DD-AFC4-6F175D3DCCD1}">
-              <a14:hiddenFill xmlns:a14="http://schemas.microsoft.com/office/drawing/2010/main">
-                <a:solidFill>
-                  <a:schemeClr val="accent1"/>
-                </a:solidFill>
-              </a14:hiddenFill>
-            </a:ext>
-            <a:ext uri="{91240B29-F687-4F45-9708-019B960494DF}">
-              <a14:hiddenLine xmlns:a14="http://schemas.microsoft.com/office/drawing/2010/main" w="9525">
-                <a:solidFill>
-                  <a:schemeClr val="tx1"/>
-                </a:solidFill>
-                <a:miter lim="800000"/>
-                <a:headEnd/>
-                <a:tailEnd/>
-              </a14:hiddenLine>
-            </a:ext>
-          </a:extLst>
-        </p:spPr>
-      </p:pic>
     </p:spTree>
     <p:extLst>
       <p:ext uri="{BB962C8B-B14F-4D97-AF65-F5344CB8AC3E}">
@@ -20210,12 +21294,7 @@
             <p:ph type="title"/>
           </p:nvPr>
         </p:nvSpPr>
-        <p:spPr>
-          <a:xfrm>
-            <a:off x="468313" y="44450"/>
-            <a:ext cx="7761287" cy="757238"/>
-          </a:xfrm>
-        </p:spPr>
+        <p:spPr/>
         <p:txBody>
           <a:bodyPr/>
           <a:lstStyle/>
@@ -20223,13 +21302,200 @@
             <a:pPr eaLnBrk="1" hangingPunct="1"/>
             <a:r>
               <a:rPr lang="en-US" dirty="0" err="1" smtClean="0"/>
-              <a:t>Schritt</a:t>
+              <a:t>Technologie</a:t>
+            </a:r>
+            <a:endParaRPr lang="en-US" dirty="0" smtClean="0"/>
+          </a:p>
+        </p:txBody>
+      </p:sp>
+      <p:sp>
+        <p:nvSpPr>
+          <p:cNvPr id="2" name="Inhaltsplatzhalter 1"/>
+          <p:cNvSpPr>
+            <a:spLocks noGrp="1"/>
+          </p:cNvSpPr>
+          <p:nvPr>
+            <p:ph sz="half" idx="1"/>
+          </p:nvPr>
+        </p:nvSpPr>
+        <p:spPr/>
+        <p:txBody>
+          <a:bodyPr/>
+          <a:lstStyle/>
+          <a:p>
+            <a:r>
+              <a:rPr lang="de-AT" dirty="0" smtClean="0"/>
+              <a:t> </a:t>
             </a:r>
             <a:r>
-              <a:rPr lang="en-US" dirty="0" smtClean="0"/>
-              <a:t> 3: Clustering</a:t>
+              <a:rPr lang="de-AT" strike="sngStrike" dirty="0" smtClean="0">
+                <a:solidFill>
+                  <a:schemeClr val="bg1">
+                    <a:lumMod val="50000"/>
+                  </a:schemeClr>
+                </a:solidFill>
+              </a:rPr>
+              <a:t>C</a:t>
             </a:r>
-            <a:endParaRPr lang="en-US" dirty="0" smtClean="0"/>
+            <a:r>
+              <a:rPr lang="de-AT" strike="sngStrike" smtClean="0">
+                <a:solidFill>
+                  <a:schemeClr val="bg1">
+                    <a:lumMod val="50000"/>
+                  </a:schemeClr>
+                </a:solidFill>
+              </a:rPr>
+              <a:t>++</a:t>
+            </a:r>
+            <a:r>
+              <a:rPr lang="de-AT" smtClean="0"/>
+              <a:t> C#</a:t>
+            </a:r>
+            <a:endParaRPr lang="de-AT" dirty="0" smtClean="0"/>
+          </a:p>
+          <a:p>
+            <a:pPr lvl="1"/>
+            <a:r>
+              <a:rPr lang="de-AT" dirty="0" smtClean="0"/>
+              <a:t>Daten laden</a:t>
+            </a:r>
+          </a:p>
+          <a:p>
+            <a:pPr lvl="1"/>
+            <a:r>
+              <a:rPr lang="de-AT" dirty="0" smtClean="0"/>
+              <a:t>Strömungen simulieren</a:t>
+            </a:r>
+          </a:p>
+          <a:p>
+            <a:endParaRPr lang="de-AT" dirty="0" smtClean="0"/>
+          </a:p>
+          <a:p>
+            <a:r>
+              <a:rPr lang="de-AT" dirty="0" smtClean="0">
+                <a:solidFill>
+                  <a:schemeClr val="bg1">
+                    <a:lumMod val="50000"/>
+                  </a:schemeClr>
+                </a:solidFill>
+              </a:rPr>
+              <a:t> </a:t>
+            </a:r>
+            <a:r>
+              <a:rPr lang="de-AT" strike="sngStrike" dirty="0" err="1" smtClean="0">
+                <a:solidFill>
+                  <a:schemeClr val="bg1">
+                    <a:lumMod val="50000"/>
+                  </a:schemeClr>
+                </a:solidFill>
+              </a:rPr>
+              <a:t>qt</a:t>
+            </a:r>
+            <a:r>
+              <a:rPr lang="de-AT" dirty="0" smtClean="0"/>
+              <a:t> C# / WPF</a:t>
+            </a:r>
+            <a:endParaRPr lang="de-AT" dirty="0"/>
+          </a:p>
+          <a:p>
+            <a:pPr lvl="1"/>
+            <a:r>
+              <a:rPr lang="de-AT" dirty="0" smtClean="0"/>
+              <a:t>GUI</a:t>
+            </a:r>
+          </a:p>
+          <a:p>
+            <a:pPr lvl="1"/>
+            <a:r>
+              <a:rPr lang="de-AT" dirty="0" smtClean="0"/>
+              <a:t>2D – Plots</a:t>
+            </a:r>
+          </a:p>
+          <a:p>
+            <a:pPr lvl="1"/>
+            <a:r>
+              <a:rPr lang="de-AT" dirty="0" smtClean="0"/>
+              <a:t>Interaktion (Parameter, …)</a:t>
+            </a:r>
+            <a:endParaRPr lang="de-AT" dirty="0"/>
+          </a:p>
+        </p:txBody>
+      </p:sp>
+      <p:sp>
+        <p:nvSpPr>
+          <p:cNvPr id="3" name="Inhaltsplatzhalter 2"/>
+          <p:cNvSpPr>
+            <a:spLocks noGrp="1"/>
+          </p:cNvSpPr>
+          <p:nvPr>
+            <p:ph sz="half" idx="2"/>
+          </p:nvPr>
+        </p:nvSpPr>
+        <p:spPr/>
+        <p:txBody>
+          <a:bodyPr/>
+          <a:lstStyle/>
+          <a:p>
+            <a:r>
+              <a:rPr lang="de-AT" dirty="0" err="1" smtClean="0"/>
+              <a:t>Matlab</a:t>
+            </a:r>
+            <a:endParaRPr lang="de-AT" dirty="0" smtClean="0"/>
+          </a:p>
+          <a:p>
+            <a:pPr lvl="1"/>
+            <a:r>
+              <a:rPr lang="de-AT" dirty="0" smtClean="0"/>
+              <a:t>PCA</a:t>
+            </a:r>
+          </a:p>
+          <a:p>
+            <a:pPr lvl="1"/>
+            <a:r>
+              <a:rPr lang="de-AT" dirty="0" smtClean="0"/>
+              <a:t>Clustering</a:t>
+            </a:r>
+          </a:p>
+          <a:p>
+            <a:pPr lvl="1"/>
+            <a:r>
+              <a:rPr lang="de-AT" dirty="0" smtClean="0"/>
+              <a:t>Sampling</a:t>
+            </a:r>
+          </a:p>
+          <a:p>
+            <a:pPr lvl="1"/>
+            <a:r>
+              <a:rPr lang="de-AT" dirty="0" smtClean="0"/>
+              <a:t>Grenzen berechnen</a:t>
+            </a:r>
+            <a:endParaRPr lang="de-AT" dirty="0"/>
+          </a:p>
+        </p:txBody>
+      </p:sp>
+      <p:sp>
+        <p:nvSpPr>
+          <p:cNvPr id="6" name="Footer Placeholder 5"/>
+          <p:cNvSpPr>
+            <a:spLocks noGrp="1"/>
+          </p:cNvSpPr>
+          <p:nvPr>
+            <p:ph type="ftr" sz="quarter" idx="10"/>
+          </p:nvPr>
+        </p:nvSpPr>
+        <p:spPr/>
+        <p:txBody>
+          <a:bodyPr/>
+          <a:lstStyle/>
+          <a:p>
+            <a:pPr>
+              <a:defRPr/>
+            </a:pPr>
+            <a:r>
+              <a:rPr lang="de-AT" dirty="0" smtClean="0"/>
+              <a:t>Nicolas Grossmann, Thomas Köppel</a:t>
+            </a:r>
+            <a:endParaRPr lang="de-AT" dirty="0"/>
           </a:p>
         </p:txBody>
       </p:sp>
@@ -20240,7 +21506,7 @@
             <a:spLocks noGrp="1"/>
           </p:cNvSpPr>
           <p:nvPr>
-            <p:ph type="sldNum" sz="quarter" idx="13"/>
+            <p:ph type="sldNum" sz="quarter" idx="11"/>
           </p:nvPr>
         </p:nvSpPr>
         <p:spPr/>
@@ -20259,90 +21525,10 @@
           </a:p>
         </p:txBody>
       </p:sp>
-      <p:sp>
-        <p:nvSpPr>
-          <p:cNvPr id="6" name="Footer Placeholder 5"/>
-          <p:cNvSpPr>
-            <a:spLocks noGrp="1"/>
-          </p:cNvSpPr>
-          <p:nvPr>
-            <p:ph type="ftr" sz="quarter" idx="12"/>
-          </p:nvPr>
-        </p:nvSpPr>
-        <p:spPr/>
-        <p:txBody>
-          <a:bodyPr/>
-          <a:lstStyle/>
-          <a:p>
-            <a:pPr>
-              <a:defRPr/>
-            </a:pPr>
-            <a:r>
-              <a:rPr lang="de-AT" dirty="0" smtClean="0"/>
-              <a:t>Nicolas Grossmann, Thomas Köppel</a:t>
-            </a:r>
-            <a:endParaRPr lang="de-AT" dirty="0"/>
-          </a:p>
-        </p:txBody>
-      </p:sp>
-      <p:pic>
-        <p:nvPicPr>
-          <p:cNvPr id="4098" name="Picture 2"/>
-          <p:cNvPicPr>
-            <a:picLocks noChangeAspect="1" noChangeArrowheads="1"/>
-          </p:cNvPicPr>
-          <p:nvPr/>
-        </p:nvPicPr>
-        <p:blipFill>
-          <a:blip r:embed="rId2">
-            <a:extLst>
-              <a:ext uri="{28A0092B-C50C-407E-A947-70E740481C1C}">
-                <a14:useLocalDpi xmlns:a14="http://schemas.microsoft.com/office/drawing/2010/main" val="0"/>
-              </a:ext>
-            </a:extLst>
-          </a:blip>
-          <a:srcRect/>
-          <a:stretch>
-            <a:fillRect/>
-          </a:stretch>
-        </p:blipFill>
-        <p:spPr bwMode="auto">
-          <a:xfrm>
-            <a:off x="1259632" y="1052736"/>
-            <a:ext cx="6336704" cy="5101479"/>
-          </a:xfrm>
-          <a:prstGeom prst="rect">
-            <a:avLst/>
-          </a:prstGeom>
-          <a:noFill/>
-          <a:ln>
-            <a:noFill/>
-          </a:ln>
-          <a:extLst>
-            <a:ext uri="{909E8E84-426E-40DD-AFC4-6F175D3DCCD1}">
-              <a14:hiddenFill xmlns:a14="http://schemas.microsoft.com/office/drawing/2010/main">
-                <a:solidFill>
-                  <a:schemeClr val="accent1"/>
-                </a:solidFill>
-              </a14:hiddenFill>
-            </a:ext>
-            <a:ext uri="{91240B29-F687-4F45-9708-019B960494DF}">
-              <a14:hiddenLine xmlns:a14="http://schemas.microsoft.com/office/drawing/2010/main" w="9525">
-                <a:solidFill>
-                  <a:schemeClr val="tx1"/>
-                </a:solidFill>
-                <a:miter lim="800000"/>
-                <a:headEnd/>
-                <a:tailEnd/>
-              </a14:hiddenLine>
-            </a:ext>
-          </a:extLst>
-        </p:spPr>
-      </p:pic>
     </p:spTree>
     <p:extLst>
       <p:ext uri="{BB962C8B-B14F-4D97-AF65-F5344CB8AC3E}">
-        <p14:creationId xmlns:p14="http://schemas.microsoft.com/office/powerpoint/2010/main" val="2436390279"/>
+        <p14:creationId xmlns:p14="http://schemas.microsoft.com/office/powerpoint/2010/main" val="1901570608"/>
       </p:ext>
     </p:extLst>
   </p:cSld>
@@ -20378,45 +21564,87 @@
       </p:grpSpPr>
       <p:sp>
         <p:nvSpPr>
-          <p:cNvPr id="10244" name="Rectangle 2"/>
+          <p:cNvPr id="2" name="Titel 1"/>
           <p:cNvSpPr>
-            <a:spLocks noGrp="1" noChangeArrowheads="1"/>
+            <a:spLocks noGrp="1"/>
           </p:cNvSpPr>
           <p:nvPr>
             <p:ph type="title"/>
           </p:nvPr>
         </p:nvSpPr>
-        <p:spPr>
-          <a:xfrm>
-            <a:off x="468313" y="44450"/>
-            <a:ext cx="7761287" cy="757238"/>
-          </a:xfrm>
-        </p:spPr>
+        <p:spPr/>
         <p:txBody>
           <a:bodyPr/>
           <a:lstStyle/>
           <a:p>
-            <a:pPr eaLnBrk="1" hangingPunct="1"/>
             <a:r>
-              <a:rPr lang="en-US" dirty="0" err="1" smtClean="0"/>
-              <a:t>Schritt</a:t>
+              <a:rPr lang="de-AT" dirty="0" smtClean="0"/>
+              <a:t>Strömungslinien</a:t>
             </a:r>
+            <a:endParaRPr lang="de-AT" dirty="0"/>
+          </a:p>
+        </p:txBody>
+      </p:sp>
+      <p:pic>
+        <p:nvPicPr>
+          <p:cNvPr id="6" name="Inhaltsplatzhalter 5"/>
+          <p:cNvPicPr>
+            <a:picLocks noGrp="1" noChangeAspect="1"/>
+          </p:cNvPicPr>
+          <p:nvPr>
+            <p:ph idx="1"/>
+          </p:nvPr>
+        </p:nvPicPr>
+        <p:blipFill>
+          <a:blip r:embed="rId2"/>
+          <a:stretch>
+            <a:fillRect/>
+          </a:stretch>
+        </p:blipFill>
+        <p:spPr>
+          <a:xfrm>
+            <a:off x="863885" y="908050"/>
+            <a:ext cx="7487668" cy="5473700"/>
+          </a:xfrm>
+          <a:prstGeom prst="rect">
+            <a:avLst/>
+          </a:prstGeom>
+        </p:spPr>
+      </p:pic>
+      <p:sp>
+        <p:nvSpPr>
+          <p:cNvPr id="4" name="Fußzeilenplatzhalter 3"/>
+          <p:cNvSpPr>
+            <a:spLocks noGrp="1"/>
+          </p:cNvSpPr>
+          <p:nvPr>
+            <p:ph type="ftr" sz="quarter" idx="10"/>
+          </p:nvPr>
+        </p:nvSpPr>
+        <p:spPr/>
+        <p:txBody>
+          <a:bodyPr/>
+          <a:lstStyle/>
+          <a:p>
+            <a:pPr>
+              <a:defRPr/>
+            </a:pPr>
             <a:r>
-              <a:rPr lang="en-US" dirty="0" smtClean="0"/>
-              <a:t> 4: Variability Plots</a:t>
+              <a:rPr lang="de-AT" dirty="0"/>
+              <a:t>Nicolas Grossmann, Thomas Köppel</a:t>
             </a:r>
-            <a:endParaRPr lang="en-US" dirty="0" smtClean="0"/>
+            <a:endParaRPr lang="de-AT" dirty="0"/>
           </a:p>
         </p:txBody>
       </p:sp>
       <p:sp>
         <p:nvSpPr>
-          <p:cNvPr id="5" name="Slide Number Placeholder 4"/>
+          <p:cNvPr id="5" name="Foliennummernplatzhalter 4"/>
           <p:cNvSpPr>
             <a:spLocks noGrp="1"/>
           </p:cNvSpPr>
           <p:nvPr>
-            <p:ph type="sldNum" sz="quarter" idx="13"/>
+            <p:ph type="sldNum" sz="quarter" idx="11"/>
           </p:nvPr>
         </p:nvSpPr>
         <p:spPr/>
@@ -20437,12 +21665,129 @@
       </p:sp>
       <p:sp>
         <p:nvSpPr>
-          <p:cNvPr id="6" name="Footer Placeholder 5"/>
+          <p:cNvPr id="3" name="Textfeld 2"/>
+          <p:cNvSpPr txBox="1"/>
+          <p:nvPr/>
+        </p:nvSpPr>
+        <p:spPr>
+          <a:xfrm>
+            <a:off x="6407337" y="5737026"/>
+            <a:ext cx="1944216" cy="923330"/>
+          </a:xfrm>
+          <a:prstGeom prst="rect">
+            <a:avLst/>
+          </a:prstGeom>
+          <a:noFill/>
+        </p:spPr>
+        <p:txBody>
+          <a:bodyPr wrap="square" rtlCol="0">
+            <a:spAutoFit/>
+          </a:bodyPr>
+          <a:lstStyle/>
+          <a:p>
+            <a:r>
+              <a:rPr lang="de-AT" dirty="0">
+                <a:hlinkClick r:id="rId3"/>
+              </a:rPr>
+              <a:t>http://www.vets.ucar.edu/vg/isabeldata</a:t>
+            </a:r>
+            <a:r>
+              <a:rPr lang="de-AT" dirty="0" smtClean="0">
+                <a:hlinkClick r:id="rId3"/>
+              </a:rPr>
+              <a:t>/</a:t>
+            </a:r>
+            <a:endParaRPr lang="de-AT" dirty="0" smtClean="0"/>
+          </a:p>
+        </p:txBody>
+      </p:sp>
+    </p:spTree>
+    <p:extLst>
+      <p:ext uri="{BB962C8B-B14F-4D97-AF65-F5344CB8AC3E}">
+        <p14:creationId xmlns:p14="http://schemas.microsoft.com/office/powerpoint/2010/main" val="2589799084"/>
+      </p:ext>
+    </p:extLst>
+  </p:cSld>
+  <p:clrMapOvr>
+    <a:masterClrMapping/>
+  </p:clrMapOvr>
+</p:sld>
+</file>
+
+<file path=ppt/slides/slide7.xml><?xml version="1.0" encoding="utf-8"?>
+<p:sld xmlns:a="http://schemas.openxmlformats.org/drawingml/2006/main" xmlns:r="http://schemas.openxmlformats.org/officeDocument/2006/relationships" xmlns:p="http://schemas.openxmlformats.org/presentationml/2006/main">
+  <p:cSld>
+    <p:spTree>
+      <p:nvGrpSpPr>
+        <p:cNvPr id="1" name=""/>
+        <p:cNvGrpSpPr/>
+        <p:nvPr/>
+      </p:nvGrpSpPr>
+      <p:grpSpPr>
+        <a:xfrm>
+          <a:off x="0" y="0"/>
+          <a:ext cx="0" cy="0"/>
+          <a:chOff x="0" y="0"/>
+          <a:chExt cx="0" cy="0"/>
+        </a:xfrm>
+      </p:grpSpPr>
+      <p:sp>
+        <p:nvSpPr>
+          <p:cNvPr id="2" name="Titel 1"/>
           <p:cNvSpPr>
             <a:spLocks noGrp="1"/>
           </p:cNvSpPr>
           <p:nvPr>
-            <p:ph type="ftr" sz="quarter" idx="12"/>
+            <p:ph type="title"/>
+          </p:nvPr>
+        </p:nvSpPr>
+        <p:spPr/>
+        <p:txBody>
+          <a:bodyPr/>
+          <a:lstStyle/>
+          <a:p>
+            <a:r>
+              <a:rPr lang="de-AT" dirty="0" smtClean="0"/>
+              <a:t>Strömungslinien</a:t>
+            </a:r>
+            <a:endParaRPr lang="de-AT" dirty="0"/>
+          </a:p>
+        </p:txBody>
+      </p:sp>
+      <p:pic>
+        <p:nvPicPr>
+          <p:cNvPr id="8" name="Inhaltsplatzhalter 7"/>
+          <p:cNvPicPr>
+            <a:picLocks noGrp="1" noChangeAspect="1"/>
+          </p:cNvPicPr>
+          <p:nvPr>
+            <p:ph idx="1"/>
+          </p:nvPr>
+        </p:nvPicPr>
+        <p:blipFill>
+          <a:blip r:embed="rId2"/>
+          <a:stretch>
+            <a:fillRect/>
+          </a:stretch>
+        </p:blipFill>
+        <p:spPr>
+          <a:xfrm>
+            <a:off x="863885" y="908050"/>
+            <a:ext cx="7487668" cy="5473700"/>
+          </a:xfrm>
+          <a:prstGeom prst="rect">
+            <a:avLst/>
+          </a:prstGeom>
+        </p:spPr>
+      </p:pic>
+      <p:sp>
+        <p:nvSpPr>
+          <p:cNvPr id="5" name="Fußzeilenplatzhalter 4"/>
+          <p:cNvSpPr>
+            <a:spLocks noGrp="1"/>
+          </p:cNvSpPr>
+          <p:nvPr>
+            <p:ph type="ftr" sz="quarter" idx="10"/>
           </p:nvPr>
         </p:nvSpPr>
         <p:spPr/>
@@ -20454,71 +21799,312 @@
               <a:defRPr/>
             </a:pPr>
             <a:r>
-              <a:rPr lang="de-AT" dirty="0" smtClean="0"/>
+              <a:rPr lang="de-AT" dirty="0"/>
               <a:t>Nicolas Grossmann, Thomas Köppel</a:t>
             </a:r>
             <a:endParaRPr lang="de-AT" dirty="0"/>
           </a:p>
         </p:txBody>
       </p:sp>
+      <p:sp>
+        <p:nvSpPr>
+          <p:cNvPr id="6" name="Foliennummernplatzhalter 5"/>
+          <p:cNvSpPr>
+            <a:spLocks noGrp="1"/>
+          </p:cNvSpPr>
+          <p:nvPr>
+            <p:ph type="sldNum" sz="quarter" idx="11"/>
+          </p:nvPr>
+        </p:nvSpPr>
+        <p:spPr/>
+        <p:txBody>
+          <a:bodyPr/>
+          <a:lstStyle/>
+          <a:p>
+            <a:pPr>
+              <a:defRPr/>
+            </a:pPr>
+            <a:fld id="{63707275-EA33-4C2C-A96C-B80BEB93EE54}" type="slidenum">
+              <a:rPr lang="de-AT" smtClean="0"/>
+              <a:t>7</a:t>
+            </a:fld>
+            <a:endParaRPr lang="de-AT" dirty="0"/>
+          </a:p>
+        </p:txBody>
+      </p:sp>
+    </p:spTree>
+    <p:extLst>
+      <p:ext uri="{BB962C8B-B14F-4D97-AF65-F5344CB8AC3E}">
+        <p14:creationId xmlns:p14="http://schemas.microsoft.com/office/powerpoint/2010/main" val="2663946994"/>
+      </p:ext>
+    </p:extLst>
+  </p:cSld>
+  <p:clrMapOvr>
+    <a:masterClrMapping/>
+  </p:clrMapOvr>
+</p:sld>
+</file>
+
+<file path=ppt/slides/slide8.xml><?xml version="1.0" encoding="utf-8"?>
+<p:sld xmlns:a="http://schemas.openxmlformats.org/drawingml/2006/main" xmlns:r="http://schemas.openxmlformats.org/officeDocument/2006/relationships" xmlns:p="http://schemas.openxmlformats.org/presentationml/2006/main">
+  <p:cSld>
+    <p:spTree>
+      <p:nvGrpSpPr>
+        <p:cNvPr id="1" name=""/>
+        <p:cNvGrpSpPr/>
+        <p:nvPr/>
+      </p:nvGrpSpPr>
+      <p:grpSpPr>
+        <a:xfrm>
+          <a:off x="0" y="0"/>
+          <a:ext cx="0" cy="0"/>
+          <a:chOff x="0" y="0"/>
+          <a:chExt cx="0" cy="0"/>
+        </a:xfrm>
+      </p:grpSpPr>
+      <p:sp>
+        <p:nvSpPr>
+          <p:cNvPr id="7" name="Titel 6"/>
+          <p:cNvSpPr>
+            <a:spLocks noGrp="1"/>
+          </p:cNvSpPr>
+          <p:nvPr>
+            <p:ph type="title"/>
+          </p:nvPr>
+        </p:nvSpPr>
+        <p:spPr/>
+        <p:txBody>
+          <a:bodyPr/>
+          <a:lstStyle/>
+          <a:p>
+            <a:r>
+              <a:rPr lang="de-AT" dirty="0" smtClean="0"/>
+              <a:t>Pfadlinien</a:t>
+            </a:r>
+            <a:endParaRPr lang="de-AT" dirty="0"/>
+          </a:p>
+        </p:txBody>
+      </p:sp>
+      <p:sp>
+        <p:nvSpPr>
+          <p:cNvPr id="5" name="Fußzeilenplatzhalter 4"/>
+          <p:cNvSpPr>
+            <a:spLocks noGrp="1"/>
+          </p:cNvSpPr>
+          <p:nvPr>
+            <p:ph type="ftr" sz="quarter" idx="10"/>
+          </p:nvPr>
+        </p:nvSpPr>
+        <p:spPr/>
+        <p:txBody>
+          <a:bodyPr/>
+          <a:lstStyle/>
+          <a:p>
+            <a:pPr>
+              <a:defRPr/>
+            </a:pPr>
+            <a:r>
+              <a:rPr lang="de-AT" dirty="0"/>
+              <a:t>Nicolas Grossmann, Thomas Köppel</a:t>
+            </a:r>
+            <a:endParaRPr lang="de-AT" dirty="0"/>
+          </a:p>
+        </p:txBody>
+      </p:sp>
+      <p:sp>
+        <p:nvSpPr>
+          <p:cNvPr id="6" name="Foliennummernplatzhalter 5"/>
+          <p:cNvSpPr>
+            <a:spLocks noGrp="1"/>
+          </p:cNvSpPr>
+          <p:nvPr>
+            <p:ph type="sldNum" sz="quarter" idx="11"/>
+          </p:nvPr>
+        </p:nvSpPr>
+        <p:spPr/>
+        <p:txBody>
+          <a:bodyPr/>
+          <a:lstStyle/>
+          <a:p>
+            <a:pPr>
+              <a:defRPr/>
+            </a:pPr>
+            <a:fld id="{63707275-EA33-4C2C-A96C-B80BEB93EE54}" type="slidenum">
+              <a:rPr lang="de-AT" smtClean="0"/>
+              <a:t>8</a:t>
+            </a:fld>
+            <a:endParaRPr lang="de-AT" dirty="0"/>
+          </a:p>
+        </p:txBody>
+      </p:sp>
       <p:pic>
         <p:nvPicPr>
-          <p:cNvPr id="5122" name="Picture 2"/>
+          <p:cNvPr id="14" name="Inhaltsplatzhalter 13"/>
           <p:cNvPicPr>
-            <a:picLocks noChangeAspect="1" noChangeArrowheads="1"/>
+            <a:picLocks noGrp="1" noChangeAspect="1"/>
           </p:cNvPicPr>
-          <p:nvPr/>
+          <p:nvPr>
+            <p:ph idx="1"/>
+          </p:nvPr>
         </p:nvPicPr>
         <p:blipFill>
-          <a:blip r:embed="rId2">
-            <a:extLst>
-              <a:ext uri="{28A0092B-C50C-407E-A947-70E740481C1C}">
-                <a14:useLocalDpi xmlns:a14="http://schemas.microsoft.com/office/drawing/2010/main" val="0"/>
-              </a:ext>
-            </a:extLst>
-          </a:blip>
-          <a:srcRect/>
+          <a:blip r:embed="rId2"/>
           <a:stretch>
             <a:fillRect/>
           </a:stretch>
         </p:blipFill>
-        <p:spPr bwMode="auto">
+        <p:spPr>
           <a:xfrm>
-            <a:off x="1547664" y="941638"/>
-            <a:ext cx="6060763" cy="5368104"/>
+            <a:off x="863885" y="908050"/>
+            <a:ext cx="7487668" cy="5473700"/>
           </a:xfrm>
           <a:prstGeom prst="rect">
             <a:avLst/>
           </a:prstGeom>
-          <a:noFill/>
-          <a:ln>
-            <a:noFill/>
-          </a:ln>
-          <a:extLst>
-            <a:ext uri="{909E8E84-426E-40DD-AFC4-6F175D3DCCD1}">
-              <a14:hiddenFill xmlns:a14="http://schemas.microsoft.com/office/drawing/2010/main">
-                <a:solidFill>
-                  <a:schemeClr val="accent1"/>
-                </a:solidFill>
-              </a14:hiddenFill>
-            </a:ext>
-            <a:ext uri="{91240B29-F687-4F45-9708-019B960494DF}">
-              <a14:hiddenLine xmlns:a14="http://schemas.microsoft.com/office/drawing/2010/main" w="9525">
-                <a:solidFill>
-                  <a:schemeClr val="tx1"/>
-                </a:solidFill>
-                <a:miter lim="800000"/>
-                <a:headEnd/>
-                <a:tailEnd/>
-              </a14:hiddenLine>
-            </a:ext>
-          </a:extLst>
         </p:spPr>
       </p:pic>
     </p:spTree>
     <p:extLst>
       <p:ext uri="{BB962C8B-B14F-4D97-AF65-F5344CB8AC3E}">
-        <p14:creationId xmlns:p14="http://schemas.microsoft.com/office/powerpoint/2010/main" val="4091290995"/>
+        <p14:creationId xmlns:p14="http://schemas.microsoft.com/office/powerpoint/2010/main" val="4027952931"/>
+      </p:ext>
+    </p:extLst>
+  </p:cSld>
+  <p:clrMapOvr>
+    <a:masterClrMapping/>
+  </p:clrMapOvr>
+  <p:timing>
+    <p:tnLst>
+      <p:par>
+        <p:cTn id="1" dur="indefinite" restart="never" nodeType="tmRoot"/>
+      </p:par>
+    </p:tnLst>
+  </p:timing>
+</p:sld>
+</file>
+
+<file path=ppt/slides/slide9.xml><?xml version="1.0" encoding="utf-8"?>
+<p:sld xmlns:a="http://schemas.openxmlformats.org/drawingml/2006/main" xmlns:r="http://schemas.openxmlformats.org/officeDocument/2006/relationships" xmlns:p="http://schemas.openxmlformats.org/presentationml/2006/main">
+  <p:cSld>
+    <p:spTree>
+      <p:nvGrpSpPr>
+        <p:cNvPr id="1" name=""/>
+        <p:cNvGrpSpPr/>
+        <p:nvPr/>
+      </p:nvGrpSpPr>
+      <p:grpSpPr>
+        <a:xfrm>
+          <a:off x="0" y="0"/>
+          <a:ext cx="0" cy="0"/>
+          <a:chOff x="0" y="0"/>
+          <a:chExt cx="0" cy="0"/>
+        </a:xfrm>
+      </p:grpSpPr>
+      <p:sp>
+        <p:nvSpPr>
+          <p:cNvPr id="7" name="Titel 6"/>
+          <p:cNvSpPr>
+            <a:spLocks noGrp="1"/>
+          </p:cNvSpPr>
+          <p:nvPr>
+            <p:ph type="title"/>
+          </p:nvPr>
+        </p:nvSpPr>
+        <p:spPr/>
+        <p:txBody>
+          <a:bodyPr/>
+          <a:lstStyle/>
+          <a:p>
+            <a:r>
+              <a:rPr lang="de-AT" dirty="0" smtClean="0"/>
+              <a:t>Pfadlinien</a:t>
+            </a:r>
+            <a:endParaRPr lang="de-AT" dirty="0"/>
+          </a:p>
+        </p:txBody>
+      </p:sp>
+      <p:sp>
+        <p:nvSpPr>
+          <p:cNvPr id="5" name="Fußzeilenplatzhalter 4"/>
+          <p:cNvSpPr>
+            <a:spLocks noGrp="1"/>
+          </p:cNvSpPr>
+          <p:nvPr>
+            <p:ph type="ftr" sz="quarter" idx="10"/>
+          </p:nvPr>
+        </p:nvSpPr>
+        <p:spPr/>
+        <p:txBody>
+          <a:bodyPr/>
+          <a:lstStyle/>
+          <a:p>
+            <a:pPr>
+              <a:defRPr/>
+            </a:pPr>
+            <a:r>
+              <a:rPr lang="de-AT" dirty="0"/>
+              <a:t>Nicolas Grossmann, Thomas Köppel</a:t>
+            </a:r>
+            <a:endParaRPr lang="de-AT" dirty="0"/>
+          </a:p>
+        </p:txBody>
+      </p:sp>
+      <p:sp>
+        <p:nvSpPr>
+          <p:cNvPr id="6" name="Foliennummernplatzhalter 5"/>
+          <p:cNvSpPr>
+            <a:spLocks noGrp="1"/>
+          </p:cNvSpPr>
+          <p:nvPr>
+            <p:ph type="sldNum" sz="quarter" idx="11"/>
+          </p:nvPr>
+        </p:nvSpPr>
+        <p:spPr/>
+        <p:txBody>
+          <a:bodyPr/>
+          <a:lstStyle/>
+          <a:p>
+            <a:pPr>
+              <a:defRPr/>
+            </a:pPr>
+            <a:fld id="{63707275-EA33-4C2C-A96C-B80BEB93EE54}" type="slidenum">
+              <a:rPr lang="de-AT" smtClean="0"/>
+              <a:t>9</a:t>
+            </a:fld>
+            <a:endParaRPr lang="de-AT" dirty="0"/>
+          </a:p>
+        </p:txBody>
+      </p:sp>
+      <p:pic>
+        <p:nvPicPr>
+          <p:cNvPr id="9" name="Inhaltsplatzhalter 8"/>
+          <p:cNvPicPr>
+            <a:picLocks noGrp="1" noChangeAspect="1"/>
+          </p:cNvPicPr>
+          <p:nvPr>
+            <p:ph idx="1"/>
+          </p:nvPr>
+        </p:nvPicPr>
+        <p:blipFill>
+          <a:blip r:embed="rId2"/>
+          <a:stretch>
+            <a:fillRect/>
+          </a:stretch>
+        </p:blipFill>
+        <p:spPr>
+          <a:xfrm>
+            <a:off x="863885" y="908050"/>
+            <a:ext cx="7487668" cy="5473700"/>
+          </a:xfrm>
+          <a:prstGeom prst="rect">
+            <a:avLst/>
+          </a:prstGeom>
+        </p:spPr>
+      </p:pic>
+    </p:spTree>
+    <p:extLst>
+      <p:ext uri="{BB962C8B-B14F-4D97-AF65-F5344CB8AC3E}">
+        <p14:creationId xmlns:p14="http://schemas.microsoft.com/office/powerpoint/2010/main" val="1343251023"/>
       </p:ext>
     </p:extLst>
   </p:cSld>
